--- a/S01_presentacion/02 Tipos de datos.pptx
+++ b/S01_presentacion/02 Tipos de datos.pptx
@@ -445,7 +445,7 @@
           <a:p>
             <a:fld id="{BA7DA8FB-C99A-46DC-B4EB-C18E7A9E7B9F}" type="datetimeFigureOut">
               <a:rPr lang="en-US" smtClean="0"/>
-              <a:t>8/26/2024</a:t>
+              <a:t>8/25/2025</a:t>
             </a:fld>
             <a:endParaRPr lang="en-US"/>
           </a:p>
@@ -696,7 +696,7 @@
           <a:p>
             <a:fld id="{BA7DA8FB-C99A-46DC-B4EB-C18E7A9E7B9F}" type="datetimeFigureOut">
               <a:rPr lang="en-US" smtClean="0"/>
-              <a:t>8/26/2024</a:t>
+              <a:t>8/25/2025</a:t>
             </a:fld>
             <a:endParaRPr lang="en-US"/>
           </a:p>
@@ -906,7 +906,7 @@
           <a:p>
             <a:fld id="{BA7DA8FB-C99A-46DC-B4EB-C18E7A9E7B9F}" type="datetimeFigureOut">
               <a:rPr lang="en-US" smtClean="0"/>
-              <a:t>8/26/2024</a:t>
+              <a:t>8/25/2025</a:t>
             </a:fld>
             <a:endParaRPr lang="en-US"/>
           </a:p>
@@ -1112,7 +1112,7 @@
             <a:fld id="{BA7DA8FB-C99A-46DC-B4EB-C18E7A9E7B9F}" type="datetimeFigureOut">
               <a:rPr lang="en-US" smtClean="0"/>
               <a:pPr/>
-              <a:t>8/26/2024</a:t>
+              <a:t>8/25/2025</a:t>
             </a:fld>
             <a:endParaRPr lang="en-US" dirty="0"/>
           </a:p>
@@ -1380,7 +1380,7 @@
           <a:p>
             <a:fld id="{BA7DA8FB-C99A-46DC-B4EB-C18E7A9E7B9F}" type="datetimeFigureOut">
               <a:rPr lang="en-US" smtClean="0"/>
-              <a:t>8/26/2024</a:t>
+              <a:t>8/25/2025</a:t>
             </a:fld>
             <a:endParaRPr lang="en-US"/>
           </a:p>
@@ -1656,7 +1656,7 @@
           <a:p>
             <a:fld id="{BA7DA8FB-C99A-46DC-B4EB-C18E7A9E7B9F}" type="datetimeFigureOut">
               <a:rPr lang="en-US" smtClean="0"/>
-              <a:t>8/26/2024</a:t>
+              <a:t>8/25/2025</a:t>
             </a:fld>
             <a:endParaRPr lang="en-US"/>
           </a:p>
@@ -1924,7 +1924,7 @@
           <a:p>
             <a:fld id="{BA7DA8FB-C99A-46DC-B4EB-C18E7A9E7B9F}" type="datetimeFigureOut">
               <a:rPr lang="en-US" smtClean="0"/>
-              <a:t>8/26/2024</a:t>
+              <a:t>8/25/2025</a:t>
             </a:fld>
             <a:endParaRPr lang="en-US"/>
           </a:p>
@@ -2339,7 +2339,7 @@
           <a:p>
             <a:fld id="{BA7DA8FB-C99A-46DC-B4EB-C18E7A9E7B9F}" type="datetimeFigureOut">
               <a:rPr lang="en-US" smtClean="0"/>
-              <a:t>8/26/2024</a:t>
+              <a:t>8/25/2025</a:t>
             </a:fld>
             <a:endParaRPr lang="en-US"/>
           </a:p>
@@ -2452,7 +2452,7 @@
           <a:p>
             <a:fld id="{BA7DA8FB-C99A-46DC-B4EB-C18E7A9E7B9F}" type="datetimeFigureOut">
               <a:rPr lang="en-US" smtClean="0"/>
-              <a:t>8/26/2024</a:t>
+              <a:t>8/25/2025</a:t>
             </a:fld>
             <a:endParaRPr lang="en-US"/>
           </a:p>
@@ -2765,7 +2765,7 @@
           <a:p>
             <a:fld id="{BA7DA8FB-C99A-46DC-B4EB-C18E7A9E7B9F}" type="datetimeFigureOut">
               <a:rPr lang="en-US" smtClean="0"/>
-              <a:t>8/26/2024</a:t>
+              <a:t>8/25/2025</a:t>
             </a:fld>
             <a:endParaRPr lang="en-US"/>
           </a:p>
@@ -3054,7 +3054,7 @@
           <a:p>
             <a:fld id="{BA7DA8FB-C99A-46DC-B4EB-C18E7A9E7B9F}" type="datetimeFigureOut">
               <a:rPr lang="en-US" smtClean="0"/>
-              <a:t>8/26/2024</a:t>
+              <a:t>8/25/2025</a:t>
             </a:fld>
             <a:endParaRPr lang="en-US"/>
           </a:p>
@@ -3297,7 +3297,7 @@
           <a:p>
             <a:fld id="{BA7DA8FB-C99A-46DC-B4EB-C18E7A9E7B9F}" type="datetimeFigureOut">
               <a:rPr lang="en-US" smtClean="0"/>
-              <a:t>8/26/2024</a:t>
+              <a:t>8/25/2025</a:t>
             </a:fld>
             <a:endParaRPr lang="en-US"/>
           </a:p>
@@ -5059,7 +5059,7 @@
             </a:pPr>
             <a:r>
               <a:rPr lang="es-MX" dirty="0"/>
-              <a:t>Mudable</a:t>
+              <a:t>Mutable</a:t>
             </a:r>
           </a:p>
           <a:p>
